--- a/Slides/sugestaoslidepesc.pptx
+++ b/Slides/sugestaoslidepesc.pptx
@@ -244,7 +244,7 @@
           <a:p>
             <a:fld id="{9788BEF5-D634-4783-BB1D-B313F140711D}" type="datetimeFigureOut">
               <a:rPr lang="pt-BR" smtClean="0"/>
-              <a:t>17/06/2021</a:t>
+              <a:t>16/07/2021</a:t>
             </a:fld>
             <a:endParaRPr lang="pt-BR"/>
           </a:p>
@@ -5730,10 +5730,6 @@
               <a:pPr/>
               <a:t>4</a:t>
             </a:fld>
-            <a:r>
-              <a:rPr lang="pt-BR"/>
-              <a:t>/total</a:t>
-            </a:r>
             <a:endParaRPr lang="pt-BR" dirty="0"/>
           </a:p>
         </p:txBody>
